--- a/Lesson 6.pptx
+++ b/Lesson 6.pptx
@@ -112,6 +112,11 @@
       </a:defRPr>
     </a:lvl9pPr>
   </p:defaultTextStyle>
+  <p:extLst>
+    <p:ext uri="{EFAFB233-063F-42B5-8137-9DF3F51BA10A}">
+      <p15:sldGuideLst xmlns:p15="http://schemas.microsoft.com/office/powerpoint/2012/main"/>
+    </p:ext>
+  </p:extLst>
 </p:presentation>
 </file>
 
@@ -210,7 +215,7 @@
           <a:effectLst/>
           <a:extLst>
             <a:ext uri="{91240B29-F687-4f45-9708-019B960494DF}">
-              <a14:hiddenLine xmlns:a14="http://schemas.microsoft.com/office/drawing/2010/main" xmlns="" w="9525">
+              <a14:hiddenLine xmlns="" xmlns:a14="http://schemas.microsoft.com/office/drawing/2010/main" w="9525">
                 <a:solidFill>
                   <a:srgbClr val="000000"/>
                 </a:solidFill>
@@ -402,7 +407,7 @@
           <a:p>
             <a:fld id="{E3F9F15C-9FA5-4B24-A444-6CBA1B0D85B9}" type="datetimeFigureOut">
               <a:rPr lang="en-US" smtClean="0"/>
-              <a:t>2/19/2024</a:t>
+              <a:t>2/20/2024</a:t>
             </a:fld>
             <a:endParaRPr lang="en-US"/>
           </a:p>
@@ -720,7 +725,7 @@
           <a:p>
             <a:fld id="{E3F9F15C-9FA5-4B24-A444-6CBA1B0D85B9}" type="datetimeFigureOut">
               <a:rPr lang="en-US" smtClean="0"/>
-              <a:t>2/19/2024</a:t>
+              <a:t>2/20/2024</a:t>
             </a:fld>
             <a:endParaRPr lang="en-US"/>
           </a:p>
@@ -1208,7 +1213,7 @@
           <a:p>
             <a:fld id="{E3F9F15C-9FA5-4B24-A444-6CBA1B0D85B9}" type="datetimeFigureOut">
               <a:rPr lang="en-US" smtClean="0"/>
-              <a:t>2/19/2024</a:t>
+              <a:t>2/20/2024</a:t>
             </a:fld>
             <a:endParaRPr lang="en-US"/>
           </a:p>
@@ -1577,7 +1582,7 @@
           <a:p>
             <a:fld id="{E3F9F15C-9FA5-4B24-A444-6CBA1B0D85B9}" type="datetimeFigureOut">
               <a:rPr lang="en-US" smtClean="0"/>
-              <a:t>2/19/2024</a:t>
+              <a:t>2/20/2024</a:t>
             </a:fld>
             <a:endParaRPr lang="en-US"/>
           </a:p>
@@ -1732,7 +1737,7 @@
           <a:ln/>
           <a:extLst>
             <a:ext uri="{91240B29-F687-4f45-9708-019B960494DF}">
-              <a14:hiddenLine xmlns:a14="http://schemas.microsoft.com/office/drawing/2010/main" xmlns="" w="9525">
+              <a14:hiddenLine xmlns="" xmlns:a14="http://schemas.microsoft.com/office/drawing/2010/main" w="9525">
                 <a:solidFill>
                   <a:srgbClr val="000000"/>
                 </a:solidFill>
@@ -1850,7 +1855,7 @@
           <a:p>
             <a:fld id="{E3F9F15C-9FA5-4B24-A444-6CBA1B0D85B9}" type="datetimeFigureOut">
               <a:rPr lang="en-US" smtClean="0"/>
-              <a:t>2/19/2024</a:t>
+              <a:t>2/20/2024</a:t>
             </a:fld>
             <a:endParaRPr lang="en-US"/>
           </a:p>
@@ -2007,7 +2012,7 @@
           <a:ln/>
           <a:extLst>
             <a:ext uri="{91240B29-F687-4f45-9708-019B960494DF}">
-              <a14:hiddenLine xmlns:a14="http://schemas.microsoft.com/office/drawing/2010/main" xmlns="" w="9525">
+              <a14:hiddenLine xmlns="" xmlns:a14="http://schemas.microsoft.com/office/drawing/2010/main" w="9525">
                 <a:solidFill>
                   <a:srgbClr val="000000"/>
                 </a:solidFill>
@@ -2135,7 +2140,7 @@
           <a:p>
             <a:fld id="{E3F9F15C-9FA5-4B24-A444-6CBA1B0D85B9}" type="datetimeFigureOut">
               <a:rPr lang="en-US" smtClean="0"/>
-              <a:t>2/19/2024</a:t>
+              <a:t>2/20/2024</a:t>
             </a:fld>
             <a:endParaRPr lang="en-US"/>
           </a:p>
@@ -2290,7 +2295,7 @@
           <a:ln/>
           <a:extLst>
             <a:ext uri="{91240B29-F687-4f45-9708-019B960494DF}">
-              <a14:hiddenLine xmlns:a14="http://schemas.microsoft.com/office/drawing/2010/main" xmlns="" w="9525">
+              <a14:hiddenLine xmlns="" xmlns:a14="http://schemas.microsoft.com/office/drawing/2010/main" w="9525">
                 <a:solidFill>
                   <a:srgbClr val="000000"/>
                 </a:solidFill>
@@ -2418,7 +2423,7 @@
           <a:p>
             <a:fld id="{E3F9F15C-9FA5-4B24-A444-6CBA1B0D85B9}" type="datetimeFigureOut">
               <a:rPr lang="en-US" smtClean="0"/>
-              <a:t>2/19/2024</a:t>
+              <a:t>2/20/2024</a:t>
             </a:fld>
             <a:endParaRPr lang="en-US"/>
           </a:p>
@@ -2761,7 +2766,7 @@
           <a:p>
             <a:fld id="{E3F9F15C-9FA5-4B24-A444-6CBA1B0D85B9}" type="datetimeFigureOut">
               <a:rPr lang="en-US" smtClean="0"/>
-              <a:t>2/19/2024</a:t>
+              <a:t>2/20/2024</a:t>
             </a:fld>
             <a:endParaRPr lang="en-US"/>
           </a:p>
@@ -2916,7 +2921,7 @@
           <a:ln/>
           <a:extLst>
             <a:ext uri="{91240B29-F687-4f45-9708-019B960494DF}">
-              <a14:hiddenLine xmlns:a14="http://schemas.microsoft.com/office/drawing/2010/main" xmlns="" w="9525">
+              <a14:hiddenLine xmlns="" xmlns:a14="http://schemas.microsoft.com/office/drawing/2010/main" w="9525">
                 <a:solidFill>
                   <a:srgbClr val="000000"/>
                 </a:solidFill>
@@ -3100,7 +3105,7 @@
           <a:p>
             <a:fld id="{E3F9F15C-9FA5-4B24-A444-6CBA1B0D85B9}" type="datetimeFigureOut">
               <a:rPr lang="en-US" smtClean="0"/>
-              <a:t>2/19/2024</a:t>
+              <a:t>2/20/2024</a:t>
             </a:fld>
             <a:endParaRPr lang="en-US"/>
           </a:p>
@@ -3255,7 +3260,7 @@
           <a:ln/>
           <a:extLst>
             <a:ext uri="{91240B29-F687-4f45-9708-019B960494DF}">
-              <a14:hiddenLine xmlns:a14="http://schemas.microsoft.com/office/drawing/2010/main" xmlns="" w="9525">
+              <a14:hiddenLine xmlns="" xmlns:a14="http://schemas.microsoft.com/office/drawing/2010/main" w="9525">
                 <a:solidFill>
                   <a:srgbClr val="000000"/>
                 </a:solidFill>
@@ -3577,7 +3582,7 @@
           <a:p>
             <a:fld id="{E3F9F15C-9FA5-4B24-A444-6CBA1B0D85B9}" type="datetimeFigureOut">
               <a:rPr lang="en-US" smtClean="0"/>
-              <a:t>2/19/2024</a:t>
+              <a:t>2/20/2024</a:t>
             </a:fld>
             <a:endParaRPr lang="en-US"/>
           </a:p>
@@ -3732,7 +3737,7 @@
           <a:ln/>
           <a:extLst>
             <a:ext uri="{91240B29-F687-4f45-9708-019B960494DF}">
-              <a14:hiddenLine xmlns:a14="http://schemas.microsoft.com/office/drawing/2010/main" xmlns="" w="9525">
+              <a14:hiddenLine xmlns="" xmlns:a14="http://schemas.microsoft.com/office/drawing/2010/main" w="9525">
                 <a:solidFill>
                   <a:srgbClr val="000000"/>
                 </a:solidFill>
@@ -3798,7 +3803,7 @@
           <a:p>
             <a:fld id="{E3F9F15C-9FA5-4B24-A444-6CBA1B0D85B9}" type="datetimeFigureOut">
               <a:rPr lang="en-US" smtClean="0"/>
-              <a:t>2/19/2024</a:t>
+              <a:t>2/20/2024</a:t>
             </a:fld>
             <a:endParaRPr lang="en-US"/>
           </a:p>
@@ -3893,7 +3898,7 @@
           <a:p>
             <a:fld id="{E3F9F15C-9FA5-4B24-A444-6CBA1B0D85B9}" type="datetimeFigureOut">
               <a:rPr lang="en-US" smtClean="0"/>
-              <a:t>2/19/2024</a:t>
+              <a:t>2/20/2024</a:t>
             </a:fld>
             <a:endParaRPr lang="en-US"/>
           </a:p>
@@ -4161,7 +4166,7 @@
           <a:ln/>
           <a:extLst>
             <a:ext uri="{91240B29-F687-4f45-9708-019B960494DF}">
-              <a14:hiddenLine xmlns:a14="http://schemas.microsoft.com/office/drawing/2010/main" xmlns="" w="9525">
+              <a14:hiddenLine xmlns="" xmlns:a14="http://schemas.microsoft.com/office/drawing/2010/main" w="9525">
                 <a:solidFill>
                   <a:srgbClr val="000000"/>
                 </a:solidFill>
@@ -4360,7 +4365,7 @@
           <a:p>
             <a:fld id="{E3F9F15C-9FA5-4B24-A444-6CBA1B0D85B9}" type="datetimeFigureOut">
               <a:rPr lang="en-US" smtClean="0"/>
-              <a:t>2/19/2024</a:t>
+              <a:t>2/20/2024</a:t>
             </a:fld>
             <a:endParaRPr lang="en-US"/>
           </a:p>
@@ -4673,7 +4678,7 @@
           <a:p>
             <a:fld id="{E3F9F15C-9FA5-4B24-A444-6CBA1B0D85B9}" type="datetimeFigureOut">
               <a:rPr lang="en-US" smtClean="0"/>
-              <a:t>2/19/2024</a:t>
+              <a:t>2/20/2024</a:t>
             </a:fld>
             <a:endParaRPr lang="en-US"/>
           </a:p>
@@ -4943,7 +4948,7 @@
           <a:p>
             <a:fld id="{E3F9F15C-9FA5-4B24-A444-6CBA1B0D85B9}" type="datetimeFigureOut">
               <a:rPr lang="en-US" smtClean="0"/>
-              <a:t>2/19/2024</a:t>
+              <a:t>2/20/2024</a:t>
             </a:fld>
             <a:endParaRPr lang="en-US"/>
           </a:p>
@@ -5504,7 +5509,7 @@
           <a:p>
             <a:r>
               <a:rPr lang="en-US" sz="6600" b="1" dirty="0"/>
-              <a:t>Lesson 1</a:t>
+              <a:t>Lesson 6</a:t>
             </a:r>
           </a:p>
         </p:txBody>
